--- a/TeamBスライド.pptx
+++ b/TeamBスライド.pptx
@@ -13,11 +13,18 @@
     <p:sldId id="258" r:id="rId7"/>
     <p:sldId id="259" r:id="rId8"/>
     <p:sldId id="261" r:id="rId9"/>
-    <p:sldId id="262" r:id="rId10"/>
-    <p:sldId id="268" r:id="rId11"/>
-    <p:sldId id="264" r:id="rId12"/>
-    <p:sldId id="265" r:id="rId13"/>
-    <p:sldId id="266" r:id="rId14"/>
+    <p:sldId id="270" r:id="rId10"/>
+    <p:sldId id="271" r:id="rId11"/>
+    <p:sldId id="272" r:id="rId12"/>
+    <p:sldId id="273" r:id="rId13"/>
+    <p:sldId id="274" r:id="rId14"/>
+    <p:sldId id="269" r:id="rId15"/>
+    <p:sldId id="262" r:id="rId16"/>
+    <p:sldId id="275" r:id="rId17"/>
+    <p:sldId id="268" r:id="rId18"/>
+    <p:sldId id="264" r:id="rId19"/>
+    <p:sldId id="265" r:id="rId20"/>
+    <p:sldId id="266" r:id="rId21"/>
   </p:sldIdLst>
   <p:sldSz cx="12192000" cy="6858000"/>
   <p:notesSz cx="6858000" cy="9144000"/>
@@ -10715,8 +10722,8 @@
           <a:lstStyle/>
           <a:p>
             <a:r>
-              <a:rPr kumimoji="1" lang="ja-JP" altLang="en-US" dirty="0" smtClean="0"/>
-              <a:t>さいごに</a:t>
+              <a:rPr lang="en-US" altLang="ja-JP" dirty="0" err="1"/>
+              <a:t>GAquiz</a:t>
             </a:r>
             <a:endParaRPr kumimoji="1" lang="ja-JP" altLang="en-US" dirty="0"/>
           </a:p>
@@ -10732,127 +10739,167 @@
             <p:ph idx="1"/>
           </p:nvPr>
         </p:nvSpPr>
-        <p:spPr>
-          <a:xfrm>
-            <a:off x="609600" y="1600201"/>
-            <a:ext cx="10972800" cy="5257799"/>
-          </a:xfrm>
-        </p:spPr>
-        <p:txBody>
-          <a:bodyPr/>
-          <a:lstStyle/>
-          <a:p>
-            <a:pPr marL="0" indent="0">
+        <p:spPr/>
+        <p:txBody>
+          <a:bodyPr>
+            <a:normAutofit/>
+          </a:bodyPr>
+          <a:lstStyle/>
+          <a:p>
+            <a:r>
+              <a:rPr kumimoji="1" lang="en-US" altLang="ja-JP" dirty="0" err="1" smtClean="0">
+                <a:solidFill>
+                  <a:schemeClr val="bg1"/>
+                </a:solidFill>
+              </a:rPr>
+              <a:t>GrowbalActive</a:t>
+            </a:r>
+            <a:r>
+              <a:rPr kumimoji="1" lang="ja-JP" altLang="en-US" dirty="0" smtClean="0">
+                <a:solidFill>
+                  <a:schemeClr val="bg1"/>
+                </a:solidFill>
+              </a:rPr>
+              <a:t>で起きてきた事象をクイズ形式で</a:t>
+            </a:r>
+            <a:r>
+              <a:rPr kumimoji="1" lang="ja-JP" altLang="en-US" dirty="0" smtClean="0">
+                <a:solidFill>
+                  <a:schemeClr val="bg1"/>
+                </a:solidFill>
+              </a:rPr>
+              <a:t>出題！</a:t>
+            </a:r>
+            <a:endParaRPr kumimoji="1" lang="en-US" altLang="ja-JP" dirty="0" smtClean="0">
+              <a:solidFill>
+                <a:schemeClr val="bg1"/>
+              </a:solidFill>
+            </a:endParaRPr>
+          </a:p>
+          <a:p>
+            <a:endParaRPr lang="en-US" altLang="ja-JP" dirty="0" smtClean="0">
+              <a:solidFill>
+                <a:schemeClr val="bg1">
+                  <a:lumMod val="50000"/>
+                </a:schemeClr>
+              </a:solidFill>
+            </a:endParaRPr>
+          </a:p>
+          <a:p>
+            <a:r>
+              <a:rPr lang="ja-JP" altLang="en-US" dirty="0" smtClean="0">
+                <a:solidFill>
+                  <a:schemeClr val="bg1"/>
+                </a:solidFill>
+              </a:rPr>
+              <a:t>ブラウザ上</a:t>
+            </a:r>
+            <a:r>
+              <a:rPr lang="ja-JP" altLang="en-US" dirty="0" smtClean="0">
+                <a:solidFill>
+                  <a:schemeClr val="bg1"/>
+                </a:solidFill>
+              </a:rPr>
+              <a:t>での</a:t>
+            </a:r>
+            <a:r>
+              <a:rPr lang="ja-JP" altLang="en-US" dirty="0" smtClean="0">
+                <a:solidFill>
+                  <a:schemeClr val="bg1"/>
+                </a:solidFill>
+              </a:rPr>
+              <a:t>動作</a:t>
+            </a:r>
+            <a:r>
+              <a:rPr lang="ja-JP" altLang="en-US" dirty="0">
+                <a:solidFill>
+                  <a:schemeClr val="bg1"/>
+                </a:solidFill>
+              </a:rPr>
+              <a:t>！</a:t>
+            </a:r>
+            <a:endParaRPr lang="en-US" altLang="ja-JP" dirty="0" smtClean="0">
+              <a:solidFill>
+                <a:schemeClr val="bg1"/>
+              </a:solidFill>
+            </a:endParaRPr>
+          </a:p>
+          <a:p>
+            <a:endParaRPr kumimoji="1" lang="en-US" altLang="ja-JP" dirty="0" smtClean="0">
+              <a:solidFill>
+                <a:schemeClr val="bg1">
+                  <a:lumMod val="50000"/>
+                </a:schemeClr>
+              </a:solidFill>
+            </a:endParaRPr>
+          </a:p>
+          <a:p>
+            <a:r>
+              <a:rPr kumimoji="1" lang="ja-JP" altLang="en-US" dirty="0" smtClean="0">
+                <a:solidFill>
+                  <a:schemeClr val="bg1"/>
+                </a:solidFill>
+              </a:rPr>
+              <a:t>圧倒的問題量の多さ！</a:t>
+            </a:r>
+            <a:endParaRPr kumimoji="1" lang="en-US" altLang="ja-JP" dirty="0" smtClean="0">
+              <a:solidFill>
+                <a:schemeClr val="bg1"/>
+              </a:solidFill>
+            </a:endParaRPr>
+          </a:p>
+          <a:p>
+            <a:endParaRPr lang="en-US" altLang="ja-JP" dirty="0" smtClean="0">
+              <a:solidFill>
+                <a:schemeClr val="bg1">
+                  <a:lumMod val="50000"/>
+                </a:schemeClr>
+              </a:solidFill>
+            </a:endParaRPr>
+          </a:p>
+          <a:p>
+            <a:pPr marL="0" indent="0" algn="ctr">
               <a:buNone/>
             </a:pPr>
             <a:r>
-              <a:rPr kumimoji="1" lang="ja-JP" altLang="en-US" dirty="0" smtClean="0"/>
-              <a:t>問題作成の都合上、皆様に質問をすることがございます。</a:t>
-            </a:r>
-            <a:endParaRPr kumimoji="1" lang="en-US" altLang="ja-JP" dirty="0" smtClean="0"/>
-          </a:p>
-          <a:p>
-            <a:pPr marL="0" indent="0">
-              <a:buNone/>
-            </a:pPr>
-            <a:endParaRPr lang="en-US" altLang="ja-JP" dirty="0" smtClean="0"/>
-          </a:p>
-          <a:p>
-            <a:pPr marL="0" indent="0">
-              <a:buNone/>
-            </a:pPr>
-            <a:r>
-              <a:rPr lang="ja-JP" altLang="en-US" dirty="0" smtClean="0"/>
-              <a:t>その</a:t>
-            </a:r>
-            <a:r>
-              <a:rPr lang="ja-JP" altLang="en-US" dirty="0"/>
-              <a:t>際</a:t>
-            </a:r>
-            <a:r>
-              <a:rPr lang="ja-JP" altLang="en-US" dirty="0" smtClean="0"/>
-              <a:t>は、</a:t>
-            </a:r>
-            <a:r>
-              <a:rPr kumimoji="1" lang="ja-JP" altLang="en-US" dirty="0" smtClean="0"/>
-              <a:t>ご迷惑にならないよう口頭での質問は避け、</a:t>
-            </a:r>
-            <a:r>
-              <a:rPr lang="en-US" altLang="ja-JP" dirty="0" smtClean="0"/>
-              <a:t>Slack</a:t>
-            </a:r>
-            <a:r>
-              <a:rPr lang="ja-JP" altLang="en-US" dirty="0"/>
-              <a:t>等</a:t>
-            </a:r>
-            <a:r>
-              <a:rPr lang="ja-JP" altLang="en-US" dirty="0" smtClean="0"/>
-              <a:t>でご質問させて頂きます。</a:t>
-            </a:r>
-            <a:endParaRPr lang="en-US" altLang="ja-JP" dirty="0" smtClean="0"/>
-          </a:p>
-          <a:p>
-            <a:pPr marL="0" indent="0">
-              <a:buNone/>
-            </a:pPr>
-            <a:endParaRPr lang="en-US" altLang="ja-JP" dirty="0" smtClean="0"/>
-          </a:p>
-          <a:p>
-            <a:pPr marL="0" indent="0">
-              <a:buNone/>
-            </a:pPr>
-            <a:r>
-              <a:rPr lang="ja-JP" altLang="en-US" dirty="0" smtClean="0"/>
-              <a:t>タスクの空き時間などで回答して頂ければ有難いです。</a:t>
-            </a:r>
-            <a:endParaRPr lang="en-US" altLang="ja-JP" dirty="0" smtClean="0"/>
-          </a:p>
-          <a:p>
-            <a:pPr marL="0" indent="0">
-              <a:buNone/>
-            </a:pPr>
-            <a:r>
-              <a:rPr lang="ja-JP" altLang="en-US" dirty="0" smtClean="0"/>
-              <a:t>作業中である</a:t>
-            </a:r>
-            <a:r>
-              <a:rPr lang="ja-JP" altLang="en-US" dirty="0"/>
-              <a:t>ことは重々承知の</a:t>
-            </a:r>
-            <a:r>
-              <a:rPr lang="ja-JP" altLang="en-US" dirty="0" smtClean="0"/>
-              <a:t>上ですが敢えてお願い申し上げます。</a:t>
-            </a:r>
-            <a:endParaRPr lang="en-US" altLang="ja-JP" dirty="0" smtClean="0"/>
-          </a:p>
-          <a:p>
-            <a:pPr marL="0" indent="0" algn="ctr">
-              <a:buNone/>
-            </a:pPr>
-            <a:r>
-              <a:rPr lang="ja-JP" altLang="en-US" b="1" dirty="0" smtClean="0"/>
-              <a:t>皆様のご理解ご協力をお願い致します。</a:t>
-            </a:r>
-            <a:endParaRPr lang="en-US" altLang="ja-JP" b="1" dirty="0" smtClean="0"/>
-          </a:p>
-          <a:p>
-            <a:pPr marL="0" indent="0">
-              <a:buNone/>
-            </a:pPr>
-            <a:endParaRPr kumimoji="1" lang="en-US" altLang="ja-JP" dirty="0"/>
-          </a:p>
-          <a:p>
-            <a:pPr marL="0" indent="0">
-              <a:buNone/>
-            </a:pPr>
-            <a:endParaRPr kumimoji="1" lang="en-US" altLang="ja-JP" dirty="0" smtClean="0"/>
+              <a:rPr lang="ja-JP" altLang="en-US" sz="3600" b="1" dirty="0" smtClean="0">
+                <a:solidFill>
+                  <a:schemeClr val="bg1"/>
+                </a:solidFill>
+              </a:rPr>
+              <a:t>これであなたも</a:t>
+            </a:r>
+            <a:r>
+              <a:rPr lang="en-US" altLang="ja-JP" sz="3600" b="1" dirty="0" err="1" smtClean="0">
+                <a:solidFill>
+                  <a:schemeClr val="bg1"/>
+                </a:solidFill>
+              </a:rPr>
+              <a:t>GrowbalActive</a:t>
+            </a:r>
+            <a:r>
+              <a:rPr lang="ja-JP" altLang="en-US" sz="3600" b="1" dirty="0" smtClean="0">
+                <a:solidFill>
+                  <a:schemeClr val="bg1"/>
+                </a:solidFill>
+              </a:rPr>
+              <a:t>のメンバーです！</a:t>
+            </a:r>
+            <a:endParaRPr kumimoji="1" lang="en-US" altLang="ja-JP" sz="3600" b="1" dirty="0" smtClean="0">
+              <a:solidFill>
+                <a:schemeClr val="bg1"/>
+              </a:solidFill>
+            </a:endParaRPr>
+          </a:p>
+          <a:p>
+            <a:endParaRPr kumimoji="1" lang="ja-JP" altLang="en-US" dirty="0"/>
           </a:p>
         </p:txBody>
       </p:sp>
     </p:spTree>
     <p:extLst>
       <p:ext uri="{BB962C8B-B14F-4D97-AF65-F5344CB8AC3E}">
-        <p14:creationId xmlns:p14="http://schemas.microsoft.com/office/powerpoint/2010/main" val="757923331"/>
+        <p14:creationId xmlns:p14="http://schemas.microsoft.com/office/powerpoint/2010/main" val="3064914493"/>
       </p:ext>
     </p:extLst>
   </p:cSld>
@@ -10893,6 +10940,890 @@
             <a:spLocks noGrp="1"/>
           </p:cNvSpPr>
           <p:nvPr>
+            <p:ph type="title" idx="4294967295"/>
+          </p:nvPr>
+        </p:nvSpPr>
+        <p:spPr>
+          <a:xfrm>
+            <a:off x="0" y="0"/>
+            <a:ext cx="12192000" cy="6858000"/>
+          </a:xfrm>
+        </p:spPr>
+        <p:txBody>
+          <a:bodyPr>
+            <a:normAutofit/>
+          </a:bodyPr>
+          <a:lstStyle/>
+          <a:p>
+            <a:r>
+              <a:rPr kumimoji="1" lang="en-US" altLang="ja-JP" sz="8000" dirty="0" smtClean="0"/>
+              <a:t>UI</a:t>
+            </a:r>
+            <a:endParaRPr kumimoji="1" lang="ja-JP" altLang="en-US" sz="8000" dirty="0"/>
+          </a:p>
+        </p:txBody>
+      </p:sp>
+    </p:spTree>
+    <p:extLst>
+      <p:ext uri="{BB962C8B-B14F-4D97-AF65-F5344CB8AC3E}">
+        <p14:creationId xmlns:p14="http://schemas.microsoft.com/office/powerpoint/2010/main" val="2267130880"/>
+      </p:ext>
+    </p:extLst>
+  </p:cSld>
+  <p:clrMapOvr>
+    <a:masterClrMapping/>
+  </p:clrMapOvr>
+  <p:timing>
+    <p:tnLst>
+      <p:par>
+        <p:cTn id="1" dur="indefinite" restart="never" nodeType="tmRoot"/>
+      </p:par>
+    </p:tnLst>
+  </p:timing>
+</p:sld>
+</file>
+
+<file path=ppt/slides/slide12.xml><?xml version="1.0" encoding="utf-8"?>
+<p:sld xmlns:a="http://schemas.openxmlformats.org/drawingml/2006/main" xmlns:r="http://schemas.openxmlformats.org/officeDocument/2006/relationships" xmlns:p="http://schemas.openxmlformats.org/presentationml/2006/main">
+  <p:cSld>
+    <p:spTree>
+      <p:nvGrpSpPr>
+        <p:cNvPr id="1" name=""/>
+        <p:cNvGrpSpPr/>
+        <p:nvPr/>
+      </p:nvGrpSpPr>
+      <p:grpSpPr>
+        <a:xfrm>
+          <a:off x="0" y="0"/>
+          <a:ext cx="0" cy="0"/>
+          <a:chOff x="0" y="0"/>
+          <a:chExt cx="0" cy="0"/>
+        </a:xfrm>
+      </p:grpSpPr>
+      <p:sp>
+        <p:nvSpPr>
+          <p:cNvPr id="2" name="タイトル 1"/>
+          <p:cNvSpPr>
+            <a:spLocks noGrp="1"/>
+          </p:cNvSpPr>
+          <p:nvPr>
+            <p:ph type="title"/>
+          </p:nvPr>
+        </p:nvSpPr>
+        <p:spPr/>
+        <p:txBody>
+          <a:bodyPr/>
+          <a:lstStyle/>
+          <a:p>
+            <a:r>
+              <a:rPr kumimoji="1" lang="en-US" altLang="ja-JP" dirty="0" smtClean="0"/>
+              <a:t>UI</a:t>
+            </a:r>
+            <a:r>
+              <a:rPr kumimoji="1" lang="ja-JP" altLang="en-US" dirty="0" smtClean="0"/>
+              <a:t>（開発段階）</a:t>
+            </a:r>
+            <a:endParaRPr kumimoji="1" lang="ja-JP" altLang="en-US" dirty="0"/>
+          </a:p>
+        </p:txBody>
+      </p:sp>
+      <p:pic>
+        <p:nvPicPr>
+          <p:cNvPr id="4" name="コンテンツ プレースホルダー 3"/>
+          <p:cNvPicPr>
+            <a:picLocks noGrp="1" noChangeAspect="1"/>
+          </p:cNvPicPr>
+          <p:nvPr>
+            <p:ph idx="1"/>
+          </p:nvPr>
+        </p:nvPicPr>
+        <p:blipFill>
+          <a:blip r:embed="rId2">
+            <a:extLst>
+              <a:ext uri="{28A0092B-C50C-407E-A947-70E740481C1C}">
+                <a14:useLocalDpi xmlns:a14="http://schemas.microsoft.com/office/drawing/2010/main" val="0"/>
+              </a:ext>
+            </a:extLst>
+          </a:blip>
+          <a:stretch>
+            <a:fillRect/>
+          </a:stretch>
+        </p:blipFill>
+        <p:spPr>
+          <a:xfrm>
+            <a:off x="2667000" y="1934369"/>
+            <a:ext cx="6858000" cy="3857625"/>
+          </a:xfrm>
+        </p:spPr>
+      </p:pic>
+      <p:pic>
+        <p:nvPicPr>
+          <p:cNvPr id="5" name="図 4"/>
+          <p:cNvPicPr>
+            <a:picLocks noChangeAspect="1"/>
+          </p:cNvPicPr>
+          <p:nvPr/>
+        </p:nvPicPr>
+        <p:blipFill>
+          <a:blip r:embed="rId3">
+            <a:extLst>
+              <a:ext uri="{28A0092B-C50C-407E-A947-70E740481C1C}">
+                <a14:useLocalDpi xmlns:a14="http://schemas.microsoft.com/office/drawing/2010/main" val="0"/>
+              </a:ext>
+            </a:extLst>
+          </a:blip>
+          <a:stretch>
+            <a:fillRect/>
+          </a:stretch>
+        </p:blipFill>
+        <p:spPr>
+          <a:xfrm>
+            <a:off x="1219200" y="1119981"/>
+            <a:ext cx="9753600" cy="5486400"/>
+          </a:xfrm>
+          <a:prstGeom prst="rect">
+            <a:avLst/>
+          </a:prstGeom>
+        </p:spPr>
+      </p:pic>
+    </p:spTree>
+    <p:extLst>
+      <p:ext uri="{BB962C8B-B14F-4D97-AF65-F5344CB8AC3E}">
+        <p14:creationId xmlns:p14="http://schemas.microsoft.com/office/powerpoint/2010/main" val="3417055675"/>
+      </p:ext>
+    </p:extLst>
+  </p:cSld>
+  <p:clrMapOvr>
+    <a:masterClrMapping/>
+  </p:clrMapOvr>
+</p:sld>
+</file>
+
+<file path=ppt/slides/slide13.xml><?xml version="1.0" encoding="utf-8"?>
+<p:sld xmlns:a="http://schemas.openxmlformats.org/drawingml/2006/main" xmlns:r="http://schemas.openxmlformats.org/officeDocument/2006/relationships" xmlns:p="http://schemas.openxmlformats.org/presentationml/2006/main">
+  <p:cSld>
+    <p:spTree>
+      <p:nvGrpSpPr>
+        <p:cNvPr id="1" name=""/>
+        <p:cNvGrpSpPr/>
+        <p:nvPr/>
+      </p:nvGrpSpPr>
+      <p:grpSpPr>
+        <a:xfrm>
+          <a:off x="0" y="0"/>
+          <a:ext cx="0" cy="0"/>
+          <a:chOff x="0" y="0"/>
+          <a:chExt cx="0" cy="0"/>
+        </a:xfrm>
+      </p:grpSpPr>
+      <p:pic>
+        <p:nvPicPr>
+          <p:cNvPr id="5" name="図 4"/>
+          <p:cNvPicPr>
+            <a:picLocks noChangeAspect="1"/>
+          </p:cNvPicPr>
+          <p:nvPr/>
+        </p:nvPicPr>
+        <p:blipFill>
+          <a:blip r:embed="rId2">
+            <a:extLst>
+              <a:ext uri="{28A0092B-C50C-407E-A947-70E740481C1C}">
+                <a14:useLocalDpi xmlns:a14="http://schemas.microsoft.com/office/drawing/2010/main" val="0"/>
+              </a:ext>
+            </a:extLst>
+          </a:blip>
+          <a:stretch>
+            <a:fillRect/>
+          </a:stretch>
+        </p:blipFill>
+        <p:spPr>
+          <a:xfrm>
+            <a:off x="1219200" y="1119981"/>
+            <a:ext cx="9753600" cy="5486400"/>
+          </a:xfrm>
+          <a:prstGeom prst="rect">
+            <a:avLst/>
+          </a:prstGeom>
+        </p:spPr>
+      </p:pic>
+      <p:sp>
+        <p:nvSpPr>
+          <p:cNvPr id="2" name="タイトル 1"/>
+          <p:cNvSpPr>
+            <a:spLocks noGrp="1"/>
+          </p:cNvSpPr>
+          <p:nvPr>
+            <p:ph type="title"/>
+          </p:nvPr>
+        </p:nvSpPr>
+        <p:spPr/>
+        <p:txBody>
+          <a:bodyPr/>
+          <a:lstStyle/>
+          <a:p>
+            <a:r>
+              <a:rPr kumimoji="1" lang="en-US" altLang="ja-JP" dirty="0" smtClean="0"/>
+              <a:t>UI</a:t>
+            </a:r>
+            <a:r>
+              <a:rPr lang="ja-JP" altLang="en-US" dirty="0"/>
+              <a:t> （開発段階）</a:t>
+            </a:r>
+            <a:endParaRPr kumimoji="1" lang="ja-JP" altLang="en-US" dirty="0"/>
+          </a:p>
+        </p:txBody>
+      </p:sp>
+      <p:pic>
+        <p:nvPicPr>
+          <p:cNvPr id="4" name="コンテンツ プレースホルダー 3"/>
+          <p:cNvPicPr>
+            <a:picLocks noGrp="1" noChangeAspect="1"/>
+          </p:cNvPicPr>
+          <p:nvPr>
+            <p:ph idx="1"/>
+          </p:nvPr>
+        </p:nvPicPr>
+        <p:blipFill>
+          <a:blip r:embed="rId3">
+            <a:extLst>
+              <a:ext uri="{28A0092B-C50C-407E-A947-70E740481C1C}">
+                <a14:useLocalDpi xmlns:a14="http://schemas.microsoft.com/office/drawing/2010/main" val="0"/>
+              </a:ext>
+            </a:extLst>
+          </a:blip>
+          <a:stretch>
+            <a:fillRect/>
+          </a:stretch>
+        </p:blipFill>
+        <p:spPr>
+          <a:xfrm>
+            <a:off x="1219200" y="1119981"/>
+            <a:ext cx="9753600" cy="5486400"/>
+          </a:xfrm>
+        </p:spPr>
+      </p:pic>
+    </p:spTree>
+    <p:extLst>
+      <p:ext uri="{BB962C8B-B14F-4D97-AF65-F5344CB8AC3E}">
+        <p14:creationId xmlns:p14="http://schemas.microsoft.com/office/powerpoint/2010/main" val="2998239437"/>
+      </p:ext>
+    </p:extLst>
+  </p:cSld>
+  <p:clrMapOvr>
+    <a:masterClrMapping/>
+  </p:clrMapOvr>
+</p:sld>
+</file>
+
+<file path=ppt/slides/slide14.xml><?xml version="1.0" encoding="utf-8"?>
+<p:sld xmlns:a="http://schemas.openxmlformats.org/drawingml/2006/main" xmlns:r="http://schemas.openxmlformats.org/officeDocument/2006/relationships" xmlns:p="http://schemas.openxmlformats.org/presentationml/2006/main">
+  <p:cSld>
+    <p:spTree>
+      <p:nvGrpSpPr>
+        <p:cNvPr id="1" name=""/>
+        <p:cNvGrpSpPr/>
+        <p:nvPr/>
+      </p:nvGrpSpPr>
+      <p:grpSpPr>
+        <a:xfrm>
+          <a:off x="0" y="0"/>
+          <a:ext cx="0" cy="0"/>
+          <a:chOff x="0" y="0"/>
+          <a:chExt cx="0" cy="0"/>
+        </a:xfrm>
+      </p:grpSpPr>
+      <p:sp>
+        <p:nvSpPr>
+          <p:cNvPr id="2" name="タイトル 1"/>
+          <p:cNvSpPr>
+            <a:spLocks noGrp="1"/>
+          </p:cNvSpPr>
+          <p:nvPr>
+            <p:ph type="title" idx="4294967295"/>
+          </p:nvPr>
+        </p:nvSpPr>
+        <p:spPr>
+          <a:xfrm>
+            <a:off x="0" y="0"/>
+            <a:ext cx="12192000" cy="6858000"/>
+          </a:xfrm>
+        </p:spPr>
+        <p:txBody>
+          <a:bodyPr>
+            <a:normAutofit/>
+          </a:bodyPr>
+          <a:lstStyle/>
+          <a:p>
+            <a:r>
+              <a:rPr kumimoji="1" lang="ja-JP" altLang="en-US" sz="8000" dirty="0" smtClean="0"/>
+              <a:t>進捗と今後</a:t>
+            </a:r>
+            <a:endParaRPr kumimoji="1" lang="ja-JP" altLang="en-US" sz="8000" dirty="0"/>
+          </a:p>
+        </p:txBody>
+      </p:sp>
+    </p:spTree>
+    <p:extLst>
+      <p:ext uri="{BB962C8B-B14F-4D97-AF65-F5344CB8AC3E}">
+        <p14:creationId xmlns:p14="http://schemas.microsoft.com/office/powerpoint/2010/main" val="1405029151"/>
+      </p:ext>
+    </p:extLst>
+  </p:cSld>
+  <p:clrMapOvr>
+    <a:masterClrMapping/>
+  </p:clrMapOvr>
+  <p:timing>
+    <p:tnLst>
+      <p:par>
+        <p:cTn id="1" dur="indefinite" restart="never" nodeType="tmRoot"/>
+      </p:par>
+    </p:tnLst>
+  </p:timing>
+</p:sld>
+</file>
+
+<file path=ppt/slides/slide15.xml><?xml version="1.0" encoding="utf-8"?>
+<p:sld xmlns:a="http://schemas.openxmlformats.org/drawingml/2006/main" xmlns:r="http://schemas.openxmlformats.org/officeDocument/2006/relationships" xmlns:p="http://schemas.openxmlformats.org/presentationml/2006/main">
+  <p:cSld>
+    <p:spTree>
+      <p:nvGrpSpPr>
+        <p:cNvPr id="1" name=""/>
+        <p:cNvGrpSpPr/>
+        <p:nvPr/>
+      </p:nvGrpSpPr>
+      <p:grpSpPr>
+        <a:xfrm>
+          <a:off x="0" y="0"/>
+          <a:ext cx="0" cy="0"/>
+          <a:chOff x="0" y="0"/>
+          <a:chExt cx="0" cy="0"/>
+        </a:xfrm>
+      </p:grpSpPr>
+      <p:sp>
+        <p:nvSpPr>
+          <p:cNvPr id="2" name="タイトル 1"/>
+          <p:cNvSpPr>
+            <a:spLocks noGrp="1"/>
+          </p:cNvSpPr>
+          <p:nvPr>
+            <p:ph type="title"/>
+          </p:nvPr>
+        </p:nvSpPr>
+        <p:spPr/>
+        <p:txBody>
+          <a:bodyPr/>
+          <a:lstStyle/>
+          <a:p>
+            <a:r>
+              <a:rPr kumimoji="1" lang="ja-JP" altLang="en-US" dirty="0" smtClean="0"/>
+              <a:t>現在の進捗</a:t>
+            </a:r>
+            <a:endParaRPr kumimoji="1" lang="ja-JP" altLang="en-US" dirty="0"/>
+          </a:p>
+        </p:txBody>
+      </p:sp>
+      <p:sp>
+        <p:nvSpPr>
+          <p:cNvPr id="3" name="コンテンツ プレースホルダー 2"/>
+          <p:cNvSpPr>
+            <a:spLocks noGrp="1"/>
+          </p:cNvSpPr>
+          <p:nvPr>
+            <p:ph idx="1"/>
+          </p:nvPr>
+        </p:nvSpPr>
+        <p:spPr/>
+        <p:txBody>
+          <a:bodyPr/>
+          <a:lstStyle/>
+          <a:p>
+            <a:r>
+              <a:rPr kumimoji="1" lang="ja-JP" altLang="en-US" dirty="0" smtClean="0"/>
+              <a:t>問題作成</a:t>
+            </a:r>
+            <a:endParaRPr kumimoji="1" lang="en-US" altLang="ja-JP" dirty="0" smtClean="0"/>
+          </a:p>
+          <a:p>
+            <a:pPr lvl="1"/>
+            <a:r>
+              <a:rPr lang="ja-JP" altLang="en-US" dirty="0" smtClean="0"/>
+              <a:t>ほぼ完了</a:t>
+            </a:r>
+            <a:endParaRPr kumimoji="1" lang="en-US" altLang="ja-JP" dirty="0" smtClean="0"/>
+          </a:p>
+          <a:p>
+            <a:r>
+              <a:rPr kumimoji="1" lang="ja-JP" altLang="en-US" dirty="0" smtClean="0"/>
+              <a:t>フロントエンド</a:t>
+            </a:r>
+            <a:endParaRPr kumimoji="1" lang="en-US" altLang="ja-JP" dirty="0" smtClean="0"/>
+          </a:p>
+          <a:p>
+            <a:pPr lvl="1"/>
+            <a:r>
+              <a:rPr lang="ja-JP" altLang="en-US" dirty="0"/>
+              <a:t>リザルト画面で</a:t>
+            </a:r>
+            <a:r>
+              <a:rPr lang="ja-JP" altLang="en-US" dirty="0" smtClean="0"/>
+              <a:t>のポイント（</a:t>
+            </a:r>
+            <a:r>
+              <a:rPr lang="ja-JP" altLang="en-US" dirty="0"/>
+              <a:t>結果</a:t>
+            </a:r>
+            <a:r>
+              <a:rPr lang="ja-JP" altLang="en-US" dirty="0" smtClean="0"/>
+              <a:t>）の</a:t>
+            </a:r>
+            <a:r>
+              <a:rPr lang="ja-JP" altLang="en-US" dirty="0"/>
+              <a:t>表示</a:t>
+            </a:r>
+            <a:r>
+              <a:rPr lang="ja-JP" altLang="en-US" dirty="0" smtClean="0"/>
+              <a:t>まで終了</a:t>
+            </a:r>
+            <a:endParaRPr lang="en-US" altLang="ja-JP" dirty="0" smtClean="0"/>
+          </a:p>
+          <a:p>
+            <a:r>
+              <a:rPr kumimoji="1" lang="ja-JP" altLang="en-US" dirty="0" smtClean="0"/>
+              <a:t>データセット</a:t>
+            </a:r>
+            <a:endParaRPr kumimoji="1" lang="en-US" altLang="ja-JP" dirty="0" smtClean="0"/>
+          </a:p>
+          <a:p>
+            <a:pPr lvl="1"/>
+            <a:r>
+              <a:rPr kumimoji="1" lang="ja-JP" altLang="en-US" dirty="0" smtClean="0"/>
+              <a:t>黒魔術による支援で</a:t>
+            </a:r>
+            <a:r>
+              <a:rPr lang="ja-JP" altLang="en-US" dirty="0"/>
+              <a:t>ペチ</a:t>
+            </a:r>
+            <a:r>
+              <a:rPr lang="ja-JP" altLang="en-US" dirty="0" smtClean="0"/>
+              <a:t>が</a:t>
+            </a:r>
+            <a:r>
+              <a:rPr lang="ja-JP" altLang="en-US" dirty="0"/>
+              <a:t>不在</a:t>
+            </a:r>
+            <a:r>
+              <a:rPr lang="ja-JP" altLang="en-US" dirty="0" smtClean="0"/>
+              <a:t>でも出力できる</a:t>
+            </a:r>
+            <a:endParaRPr kumimoji="1" lang="en-US" altLang="ja-JP" dirty="0" smtClean="0"/>
+          </a:p>
+        </p:txBody>
+      </p:sp>
+    </p:spTree>
+    <p:extLst>
+      <p:ext uri="{BB962C8B-B14F-4D97-AF65-F5344CB8AC3E}">
+        <p14:creationId xmlns:p14="http://schemas.microsoft.com/office/powerpoint/2010/main" val="370707960"/>
+      </p:ext>
+    </p:extLst>
+  </p:cSld>
+  <p:clrMapOvr>
+    <a:masterClrMapping/>
+  </p:clrMapOvr>
+</p:sld>
+</file>
+
+<file path=ppt/slides/slide16.xml><?xml version="1.0" encoding="utf-8"?>
+<p:sld xmlns:a="http://schemas.openxmlformats.org/drawingml/2006/main" xmlns:r="http://schemas.openxmlformats.org/officeDocument/2006/relationships" xmlns:p="http://schemas.openxmlformats.org/presentationml/2006/main">
+  <p:cSld>
+    <p:spTree>
+      <p:nvGrpSpPr>
+        <p:cNvPr id="1" name=""/>
+        <p:cNvGrpSpPr/>
+        <p:nvPr/>
+      </p:nvGrpSpPr>
+      <p:grpSpPr>
+        <a:xfrm>
+          <a:off x="0" y="0"/>
+          <a:ext cx="0" cy="0"/>
+          <a:chOff x="0" y="0"/>
+          <a:chExt cx="0" cy="0"/>
+        </a:xfrm>
+      </p:grpSpPr>
+      <p:sp>
+        <p:nvSpPr>
+          <p:cNvPr id="2" name="タイトル 1"/>
+          <p:cNvSpPr>
+            <a:spLocks noGrp="1"/>
+          </p:cNvSpPr>
+          <p:nvPr>
+            <p:ph type="title"/>
+          </p:nvPr>
+        </p:nvSpPr>
+        <p:spPr/>
+        <p:txBody>
+          <a:bodyPr/>
+          <a:lstStyle/>
+          <a:p>
+            <a:r>
+              <a:rPr kumimoji="1" lang="ja-JP" altLang="en-US" dirty="0" smtClean="0"/>
+              <a:t>今後</a:t>
+            </a:r>
+            <a:endParaRPr kumimoji="1" lang="ja-JP" altLang="en-US" dirty="0"/>
+          </a:p>
+        </p:txBody>
+      </p:sp>
+      <p:sp>
+        <p:nvSpPr>
+          <p:cNvPr id="3" name="コンテンツ プレースホルダー 2"/>
+          <p:cNvSpPr>
+            <a:spLocks noGrp="1"/>
+          </p:cNvSpPr>
+          <p:nvPr>
+            <p:ph idx="1"/>
+          </p:nvPr>
+        </p:nvSpPr>
+        <p:spPr/>
+        <p:txBody>
+          <a:bodyPr/>
+          <a:lstStyle/>
+          <a:p>
+            <a:r>
+              <a:rPr lang="ja-JP" altLang="en-US" dirty="0"/>
+              <a:t>問題作成</a:t>
+            </a:r>
+            <a:endParaRPr lang="en-US" altLang="ja-JP" dirty="0"/>
+          </a:p>
+          <a:p>
+            <a:pPr lvl="1"/>
+            <a:r>
+              <a:rPr lang="ja-JP" altLang="en-US" dirty="0" smtClean="0"/>
+              <a:t>さらに増やす</a:t>
+            </a:r>
+            <a:endParaRPr lang="en-US" altLang="ja-JP" dirty="0"/>
+          </a:p>
+          <a:p>
+            <a:r>
+              <a:rPr lang="ja-JP" altLang="en-US" dirty="0"/>
+              <a:t>フロントエンド</a:t>
+            </a:r>
+            <a:endParaRPr lang="en-US" altLang="ja-JP" dirty="0"/>
+          </a:p>
+          <a:p>
+            <a:pPr lvl="1"/>
+            <a:r>
+              <a:rPr lang="ja-JP" altLang="en-US" dirty="0" smtClean="0"/>
+              <a:t>スタイル</a:t>
+            </a:r>
+            <a:r>
+              <a:rPr lang="ja-JP" altLang="en-US" dirty="0"/>
+              <a:t>の</a:t>
+            </a:r>
+            <a:r>
+              <a:rPr lang="ja-JP" altLang="en-US" dirty="0" smtClean="0"/>
+              <a:t>変更</a:t>
+            </a:r>
+            <a:endParaRPr lang="en-US" altLang="ja-JP" dirty="0" smtClean="0"/>
+          </a:p>
+          <a:p>
+            <a:pPr lvl="1"/>
+            <a:r>
+              <a:rPr lang="ja-JP" altLang="en-US" dirty="0" smtClean="0"/>
+              <a:t>出題のランダムチョイス化</a:t>
+            </a:r>
+            <a:endParaRPr lang="en-US" altLang="ja-JP" dirty="0" smtClean="0"/>
+          </a:p>
+          <a:p>
+            <a:r>
+              <a:rPr lang="ja-JP" altLang="en-US" dirty="0" smtClean="0"/>
+              <a:t>データセット</a:t>
+            </a:r>
+            <a:endParaRPr lang="en-US" altLang="ja-JP" dirty="0"/>
+          </a:p>
+          <a:p>
+            <a:pPr lvl="1"/>
+            <a:r>
+              <a:rPr lang="ja-JP" altLang="en-US" dirty="0" smtClean="0"/>
+              <a:t>リューペチ</a:t>
+            </a:r>
+            <a:r>
+              <a:rPr lang="en-US" altLang="ja-JP" dirty="0" smtClean="0"/>
+              <a:t>BOT</a:t>
+            </a:r>
+            <a:r>
+              <a:rPr lang="ja-JP" altLang="en-US" dirty="0" smtClean="0"/>
+              <a:t>が問題データを吐きます</a:t>
+            </a:r>
+            <a:endParaRPr lang="en-US" altLang="ja-JP" dirty="0"/>
+          </a:p>
+        </p:txBody>
+      </p:sp>
+    </p:spTree>
+    <p:extLst>
+      <p:ext uri="{BB962C8B-B14F-4D97-AF65-F5344CB8AC3E}">
+        <p14:creationId xmlns:p14="http://schemas.microsoft.com/office/powerpoint/2010/main" val="3781739903"/>
+      </p:ext>
+    </p:extLst>
+  </p:cSld>
+  <p:clrMapOvr>
+    <a:masterClrMapping/>
+  </p:clrMapOvr>
+  <p:timing>
+    <p:tnLst>
+      <p:par>
+        <p:cTn id="1" dur="indefinite" restart="never" nodeType="tmRoot"/>
+      </p:par>
+    </p:tnLst>
+  </p:timing>
+</p:sld>
+</file>
+
+<file path=ppt/slides/slide17.xml><?xml version="1.0" encoding="utf-8"?>
+<p:sld xmlns:a="http://schemas.openxmlformats.org/drawingml/2006/main" xmlns:r="http://schemas.openxmlformats.org/officeDocument/2006/relationships" xmlns:p="http://schemas.openxmlformats.org/presentationml/2006/main">
+  <p:cSld>
+    <p:spTree>
+      <p:nvGrpSpPr>
+        <p:cNvPr id="1" name=""/>
+        <p:cNvGrpSpPr/>
+        <p:nvPr/>
+      </p:nvGrpSpPr>
+      <p:grpSpPr>
+        <a:xfrm>
+          <a:off x="0" y="0"/>
+          <a:ext cx="0" cy="0"/>
+          <a:chOff x="0" y="0"/>
+          <a:chExt cx="0" cy="0"/>
+        </a:xfrm>
+      </p:grpSpPr>
+      <p:sp>
+        <p:nvSpPr>
+          <p:cNvPr id="2" name="タイトル 1"/>
+          <p:cNvSpPr>
+            <a:spLocks noGrp="1"/>
+          </p:cNvSpPr>
+          <p:nvPr>
+            <p:ph type="title"/>
+          </p:nvPr>
+        </p:nvSpPr>
+        <p:spPr/>
+        <p:txBody>
+          <a:bodyPr/>
+          <a:lstStyle/>
+          <a:p>
+            <a:r>
+              <a:rPr kumimoji="1" lang="ja-JP" altLang="en-US" dirty="0" smtClean="0"/>
+              <a:t>さいごに</a:t>
+            </a:r>
+            <a:endParaRPr kumimoji="1" lang="ja-JP" altLang="en-US" dirty="0"/>
+          </a:p>
+        </p:txBody>
+      </p:sp>
+      <p:sp>
+        <p:nvSpPr>
+          <p:cNvPr id="3" name="コンテンツ プレースホルダー 2"/>
+          <p:cNvSpPr>
+            <a:spLocks noGrp="1"/>
+          </p:cNvSpPr>
+          <p:nvPr>
+            <p:ph idx="1"/>
+          </p:nvPr>
+        </p:nvSpPr>
+        <p:spPr>
+          <a:xfrm>
+            <a:off x="191344" y="1417639"/>
+            <a:ext cx="11809312" cy="5179713"/>
+          </a:xfrm>
+        </p:spPr>
+        <p:txBody>
+          <a:bodyPr>
+            <a:normAutofit lnSpcReduction="10000"/>
+          </a:bodyPr>
+          <a:lstStyle/>
+          <a:p>
+            <a:pPr marL="0" indent="0">
+              <a:buNone/>
+            </a:pPr>
+            <a:r>
+              <a:rPr kumimoji="1" lang="ja-JP" altLang="en-US" dirty="0" smtClean="0"/>
+              <a:t>問題作成の都合上、皆様に質問をすることがございます。</a:t>
+            </a:r>
+            <a:endParaRPr kumimoji="1" lang="en-US" altLang="ja-JP" dirty="0" smtClean="0"/>
+          </a:p>
+          <a:p>
+            <a:pPr marL="0" indent="0">
+              <a:buNone/>
+            </a:pPr>
+            <a:endParaRPr lang="en-US" altLang="ja-JP" dirty="0" smtClean="0"/>
+          </a:p>
+          <a:p>
+            <a:pPr marL="0" indent="0">
+              <a:buNone/>
+            </a:pPr>
+            <a:r>
+              <a:rPr lang="ja-JP" altLang="en-US" dirty="0" smtClean="0"/>
+              <a:t>その</a:t>
+            </a:r>
+            <a:r>
+              <a:rPr lang="ja-JP" altLang="en-US" dirty="0"/>
+              <a:t>際</a:t>
+            </a:r>
+            <a:r>
+              <a:rPr lang="ja-JP" altLang="en-US" dirty="0" smtClean="0"/>
+              <a:t>は、</a:t>
+            </a:r>
+            <a:r>
+              <a:rPr kumimoji="1" lang="ja-JP" altLang="en-US" dirty="0" smtClean="0"/>
+              <a:t>ご迷惑にならないよう口頭での質問は避け、</a:t>
+            </a:r>
+            <a:r>
+              <a:rPr lang="en-US" altLang="ja-JP" dirty="0" smtClean="0"/>
+              <a:t>Slack</a:t>
+            </a:r>
+            <a:r>
+              <a:rPr lang="ja-JP" altLang="en-US" dirty="0"/>
+              <a:t>等</a:t>
+            </a:r>
+            <a:r>
+              <a:rPr lang="ja-JP" altLang="en-US" dirty="0" smtClean="0"/>
+              <a:t>でご質問させて頂きます。</a:t>
+            </a:r>
+            <a:endParaRPr lang="en-US" altLang="ja-JP" dirty="0" smtClean="0"/>
+          </a:p>
+          <a:p>
+            <a:pPr marL="0" indent="0">
+              <a:buNone/>
+            </a:pPr>
+            <a:endParaRPr lang="en-US" altLang="ja-JP" dirty="0" smtClean="0"/>
+          </a:p>
+          <a:p>
+            <a:pPr marL="0" indent="0">
+              <a:buNone/>
+            </a:pPr>
+            <a:r>
+              <a:rPr lang="ja-JP" altLang="en-US" dirty="0" smtClean="0"/>
+              <a:t>タスクの空き時間などで回答して頂ければ有難いです。</a:t>
+            </a:r>
+            <a:endParaRPr lang="en-US" altLang="ja-JP" dirty="0" smtClean="0"/>
+          </a:p>
+          <a:p>
+            <a:pPr marL="0" indent="0">
+              <a:buNone/>
+            </a:pPr>
+            <a:r>
+              <a:rPr lang="ja-JP" altLang="en-US" dirty="0" smtClean="0"/>
+              <a:t>作業中である</a:t>
+            </a:r>
+            <a:r>
+              <a:rPr lang="ja-JP" altLang="en-US" dirty="0"/>
+              <a:t>こと</a:t>
+            </a:r>
+            <a:r>
+              <a:rPr lang="ja-JP" altLang="en-US" dirty="0" smtClean="0"/>
+              <a:t>は承知</a:t>
+            </a:r>
+            <a:r>
+              <a:rPr lang="ja-JP" altLang="en-US" dirty="0"/>
+              <a:t>の</a:t>
+            </a:r>
+            <a:r>
+              <a:rPr lang="ja-JP" altLang="en-US" dirty="0" smtClean="0"/>
+              <a:t>上です</a:t>
+            </a:r>
+            <a:r>
+              <a:rPr lang="ja-JP" altLang="en-US" dirty="0" smtClean="0"/>
+              <a:t>が</a:t>
+            </a:r>
+            <a:r>
+              <a:rPr lang="ja-JP" altLang="en-US" dirty="0"/>
+              <a:t>、</a:t>
+            </a:r>
+            <a:r>
+              <a:rPr lang="ja-JP" altLang="en-US" dirty="0" smtClean="0"/>
+              <a:t>敢えて</a:t>
+            </a:r>
+            <a:r>
+              <a:rPr lang="ja-JP" altLang="en-US" dirty="0" smtClean="0"/>
+              <a:t>お願い申し上げます。</a:t>
+            </a:r>
+            <a:endParaRPr lang="en-US" altLang="ja-JP" dirty="0" smtClean="0"/>
+          </a:p>
+          <a:p>
+            <a:pPr marL="0" indent="0" algn="ctr">
+              <a:buNone/>
+            </a:pPr>
+            <a:endParaRPr lang="en-US" altLang="ja-JP" b="1" dirty="0" smtClean="0"/>
+          </a:p>
+          <a:p>
+            <a:pPr marL="0" indent="0" algn="ctr">
+              <a:buNone/>
+            </a:pPr>
+            <a:r>
+              <a:rPr lang="ja-JP" altLang="en-US" b="1" dirty="0" smtClean="0"/>
+              <a:t>皆様</a:t>
+            </a:r>
+            <a:r>
+              <a:rPr lang="ja-JP" altLang="en-US" b="1" dirty="0" smtClean="0"/>
+              <a:t>のご理解ご協力をお願い致します。</a:t>
+            </a:r>
+            <a:endParaRPr lang="en-US" altLang="ja-JP" b="1" dirty="0" smtClean="0"/>
+          </a:p>
+          <a:p>
+            <a:pPr marL="0" indent="0">
+              <a:buNone/>
+            </a:pPr>
+            <a:endParaRPr kumimoji="1" lang="en-US" altLang="ja-JP" dirty="0"/>
+          </a:p>
+          <a:p>
+            <a:pPr marL="0" indent="0">
+              <a:buNone/>
+            </a:pPr>
+            <a:endParaRPr kumimoji="1" lang="en-US" altLang="ja-JP" dirty="0" smtClean="0"/>
+          </a:p>
+        </p:txBody>
+      </p:sp>
+    </p:spTree>
+    <p:extLst>
+      <p:ext uri="{BB962C8B-B14F-4D97-AF65-F5344CB8AC3E}">
+        <p14:creationId xmlns:p14="http://schemas.microsoft.com/office/powerpoint/2010/main" val="757923331"/>
+      </p:ext>
+    </p:extLst>
+  </p:cSld>
+  <p:clrMapOvr>
+    <a:masterClrMapping/>
+  </p:clrMapOvr>
+  <p:timing>
+    <p:tnLst>
+      <p:par>
+        <p:cTn id="1" dur="indefinite" restart="never" nodeType="tmRoot"/>
+      </p:par>
+    </p:tnLst>
+  </p:timing>
+</p:sld>
+</file>
+
+<file path=ppt/slides/slide18.xml><?xml version="1.0" encoding="utf-8"?>
+<p:sld xmlns:a="http://schemas.openxmlformats.org/drawingml/2006/main" xmlns:r="http://schemas.openxmlformats.org/officeDocument/2006/relationships" xmlns:p="http://schemas.openxmlformats.org/presentationml/2006/main">
+  <p:cSld>
+    <p:spTree>
+      <p:nvGrpSpPr>
+        <p:cNvPr id="1" name=""/>
+        <p:cNvGrpSpPr/>
+        <p:nvPr/>
+      </p:nvGrpSpPr>
+      <p:grpSpPr>
+        <a:xfrm>
+          <a:off x="0" y="0"/>
+          <a:ext cx="0" cy="0"/>
+          <a:chOff x="0" y="0"/>
+          <a:chExt cx="0" cy="0"/>
+        </a:xfrm>
+      </p:grpSpPr>
+      <p:sp>
+        <p:nvSpPr>
+          <p:cNvPr id="2" name="タイトル 1"/>
+          <p:cNvSpPr>
+            <a:spLocks noGrp="1"/>
+          </p:cNvSpPr>
+          <p:nvPr>
             <p:ph type="ctrTitle"/>
           </p:nvPr>
         </p:nvSpPr>
@@ -10986,6 +11917,48 @@
               <a:t>）</a:t>
             </a:r>
             <a:endParaRPr kumimoji="1" lang="ja-JP" altLang="en-US" sz="2800" dirty="0"/>
+          </a:p>
+        </p:txBody>
+      </p:sp>
+      <p:sp>
+        <p:nvSpPr>
+          <p:cNvPr id="4" name="テキスト ボックス 3"/>
+          <p:cNvSpPr txBox="1"/>
+          <p:nvPr/>
+        </p:nvSpPr>
+        <p:spPr>
+          <a:xfrm>
+            <a:off x="6503368" y="5032638"/>
+            <a:ext cx="5688632" cy="1569660"/>
+          </a:xfrm>
+          <a:prstGeom prst="rect">
+            <a:avLst/>
+          </a:prstGeom>
+          <a:noFill/>
+        </p:spPr>
+        <p:txBody>
+          <a:bodyPr wrap="square" rtlCol="0">
+            <a:spAutoFit/>
+          </a:bodyPr>
+          <a:lstStyle/>
+          <a:p>
+            <a:r>
+              <a:rPr kumimoji="1" lang="ja-JP" altLang="en-US" sz="9600" b="1" dirty="0" smtClean="0">
+                <a:solidFill>
+                  <a:schemeClr val="bg1"/>
+                </a:solidFill>
+                <a:latin typeface="メイリオ" panose="020B0604030504040204" pitchFamily="50" charset="-128"/>
+                <a:ea typeface="メイリオ" panose="020B0604030504040204" pitchFamily="50" charset="-128"/>
+              </a:rPr>
+              <a:t>おしまい</a:t>
+            </a:r>
+            <a:endParaRPr kumimoji="1" lang="ja-JP" altLang="en-US" sz="9600" b="1" dirty="0">
+              <a:solidFill>
+                <a:schemeClr val="bg1"/>
+              </a:solidFill>
+              <a:latin typeface="メイリオ" panose="020B0604030504040204" pitchFamily="50" charset="-128"/>
+              <a:ea typeface="メイリオ" panose="020B0604030504040204" pitchFamily="50" charset="-128"/>
+            </a:endParaRPr>
           </a:p>
         </p:txBody>
       </p:sp>
@@ -11181,7 +12154,9 @@
           </a:xfrm>
         </p:spPr>
         <p:txBody>
-          <a:bodyPr/>
+          <a:bodyPr>
+            <a:normAutofit lnSpcReduction="10000"/>
+          </a:bodyPr>
           <a:lstStyle/>
           <a:p>
             <a:r>
@@ -11282,6 +12257,14 @@
               <a:t>リューペチ</a:t>
             </a:r>
             <a:endParaRPr kumimoji="1" lang="en-US" altLang="ja-JP" dirty="0" smtClean="0"/>
+          </a:p>
+          <a:p>
+            <a:pPr lvl="1"/>
+            <a:r>
+              <a:rPr lang="ja-JP" altLang="en-US" dirty="0" smtClean="0"/>
+              <a:t>問題の連結（データセット作成）</a:t>
+            </a:r>
+            <a:endParaRPr lang="en-US" altLang="ja-JP" dirty="0" smtClean="0"/>
           </a:p>
           <a:p>
             <a:pPr lvl="1"/>
@@ -11515,35 +12498,137 @@
           <a:lstStyle/>
           <a:p>
             <a:r>
-              <a:rPr kumimoji="1" lang="en-US" altLang="ja-JP" dirty="0" err="1" smtClean="0"/>
+              <a:rPr kumimoji="1" lang="en-US" altLang="ja-JP" dirty="0" err="1" smtClean="0">
+                <a:solidFill>
+                  <a:schemeClr val="bg1">
+                    <a:lumMod val="50000"/>
+                  </a:schemeClr>
+                </a:solidFill>
+              </a:rPr>
               <a:t>GrowbalActive</a:t>
             </a:r>
             <a:r>
-              <a:rPr kumimoji="1" lang="ja-JP" altLang="en-US" dirty="0" smtClean="0"/>
-              <a:t>で起きてきた事象をクイズ形式で出題</a:t>
-            </a:r>
-            <a:endParaRPr kumimoji="1" lang="en-US" altLang="ja-JP" dirty="0" smtClean="0"/>
-          </a:p>
-          <a:p>
-            <a:r>
-              <a:rPr lang="ja-JP" altLang="en-US" dirty="0" smtClean="0"/>
-              <a:t>ブラウザ上での動作（予定）</a:t>
-            </a:r>
-            <a:endParaRPr lang="en-US" altLang="ja-JP" dirty="0" smtClean="0"/>
-          </a:p>
-          <a:p>
-            <a:r>
-              <a:rPr kumimoji="1" lang="ja-JP" altLang="en-US" dirty="0" smtClean="0"/>
-              <a:t>圧倒的問題量・</a:t>
-            </a:r>
-            <a:endParaRPr kumimoji="1" lang="en-US" altLang="ja-JP" dirty="0" smtClean="0"/>
-          </a:p>
-          <a:p>
-            <a:r>
-              <a:rPr kumimoji="1" lang="ja-JP" altLang="en-US" dirty="0" smtClean="0"/>
-              <a:t>難易度不明</a:t>
-            </a:r>
-            <a:endParaRPr kumimoji="1" lang="en-US" altLang="ja-JP" dirty="0" smtClean="0"/>
+              <a:rPr kumimoji="1" lang="ja-JP" altLang="en-US" dirty="0" smtClean="0">
+                <a:solidFill>
+                  <a:schemeClr val="bg1">
+                    <a:lumMod val="50000"/>
+                  </a:schemeClr>
+                </a:solidFill>
+              </a:rPr>
+              <a:t>で起きてきた事象をクイズ形式で</a:t>
+            </a:r>
+            <a:r>
+              <a:rPr kumimoji="1" lang="ja-JP" altLang="en-US" dirty="0" smtClean="0">
+                <a:solidFill>
+                  <a:schemeClr val="bg1">
+                    <a:lumMod val="50000"/>
+                  </a:schemeClr>
+                </a:solidFill>
+              </a:rPr>
+              <a:t>出題！</a:t>
+            </a:r>
+            <a:endParaRPr kumimoji="1" lang="en-US" altLang="ja-JP" dirty="0" smtClean="0">
+              <a:solidFill>
+                <a:schemeClr val="bg1">
+                  <a:lumMod val="50000"/>
+                </a:schemeClr>
+              </a:solidFill>
+            </a:endParaRPr>
+          </a:p>
+          <a:p>
+            <a:endParaRPr lang="en-US" altLang="ja-JP" dirty="0" smtClean="0">
+              <a:solidFill>
+                <a:schemeClr val="bg1">
+                  <a:lumMod val="50000"/>
+                </a:schemeClr>
+              </a:solidFill>
+            </a:endParaRPr>
+          </a:p>
+          <a:p>
+            <a:r>
+              <a:rPr lang="ja-JP" altLang="en-US" dirty="0" smtClean="0">
+                <a:solidFill>
+                  <a:schemeClr val="bg1">
+                    <a:lumMod val="50000"/>
+                  </a:schemeClr>
+                </a:solidFill>
+              </a:rPr>
+              <a:t>ブラウザ上</a:t>
+            </a:r>
+            <a:r>
+              <a:rPr lang="ja-JP" altLang="en-US" dirty="0" smtClean="0">
+                <a:solidFill>
+                  <a:schemeClr val="bg1">
+                    <a:lumMod val="50000"/>
+                  </a:schemeClr>
+                </a:solidFill>
+              </a:rPr>
+              <a:t>での</a:t>
+            </a:r>
+            <a:r>
+              <a:rPr lang="ja-JP" altLang="en-US" dirty="0" smtClean="0">
+                <a:solidFill>
+                  <a:schemeClr val="bg1">
+                    <a:lumMod val="50000"/>
+                  </a:schemeClr>
+                </a:solidFill>
+              </a:rPr>
+              <a:t>動作</a:t>
+            </a:r>
+            <a:r>
+              <a:rPr lang="ja-JP" altLang="en-US" dirty="0">
+                <a:solidFill>
+                  <a:schemeClr val="bg1">
+                    <a:lumMod val="50000"/>
+                  </a:schemeClr>
+                </a:solidFill>
+              </a:rPr>
+              <a:t>！</a:t>
+            </a:r>
+            <a:endParaRPr lang="en-US" altLang="ja-JP" dirty="0" smtClean="0">
+              <a:solidFill>
+                <a:schemeClr val="bg1">
+                  <a:lumMod val="50000"/>
+                </a:schemeClr>
+              </a:solidFill>
+            </a:endParaRPr>
+          </a:p>
+          <a:p>
+            <a:endParaRPr kumimoji="1" lang="en-US" altLang="ja-JP" dirty="0" smtClean="0">
+              <a:solidFill>
+                <a:schemeClr val="bg1">
+                  <a:lumMod val="50000"/>
+                </a:schemeClr>
+              </a:solidFill>
+            </a:endParaRPr>
+          </a:p>
+          <a:p>
+            <a:r>
+              <a:rPr kumimoji="1" lang="ja-JP" altLang="en-US" dirty="0" smtClean="0">
+                <a:solidFill>
+                  <a:schemeClr val="bg1">
+                    <a:lumMod val="50000"/>
+                  </a:schemeClr>
+                </a:solidFill>
+              </a:rPr>
+              <a:t>圧倒的問題量の多さ！</a:t>
+            </a:r>
+            <a:endParaRPr kumimoji="1" lang="en-US" altLang="ja-JP" dirty="0" smtClean="0">
+              <a:solidFill>
+                <a:schemeClr val="bg1">
+                  <a:lumMod val="50000"/>
+                </a:schemeClr>
+              </a:solidFill>
+            </a:endParaRPr>
+          </a:p>
+          <a:p>
+            <a:endParaRPr lang="en-US" altLang="ja-JP" dirty="0" smtClean="0">
+              <a:solidFill>
+                <a:schemeClr val="bg1">
+                  <a:lumMod val="50000"/>
+                </a:schemeClr>
+              </a:solidFill>
+            </a:endParaRPr>
           </a:p>
           <a:p>
             <a:endParaRPr kumimoji="1" lang="ja-JP" altLang="en-US" dirty="0"/>
@@ -11603,8 +12688,8 @@
           <a:lstStyle/>
           <a:p>
             <a:r>
-              <a:rPr kumimoji="1" lang="en-US" altLang="ja-JP" dirty="0" smtClean="0"/>
-              <a:t>UI</a:t>
+              <a:rPr lang="en-US" altLang="ja-JP" dirty="0" err="1"/>
+              <a:t>GAquiz</a:t>
             </a:r>
             <a:endParaRPr kumimoji="1" lang="ja-JP" altLang="en-US" dirty="0"/>
           </a:p>
@@ -11625,20 +12710,153 @@
           <a:bodyPr/>
           <a:lstStyle/>
           <a:p>
-            <a:endParaRPr kumimoji="1" lang="ja-JP" altLang="en-US"/>
+            <a:r>
+              <a:rPr kumimoji="1" lang="en-US" altLang="ja-JP" dirty="0" err="1" smtClean="0">
+                <a:solidFill>
+                  <a:schemeClr val="bg1"/>
+                </a:solidFill>
+              </a:rPr>
+              <a:t>GrowbalActive</a:t>
+            </a:r>
+            <a:r>
+              <a:rPr kumimoji="1" lang="ja-JP" altLang="en-US" dirty="0" smtClean="0">
+                <a:solidFill>
+                  <a:schemeClr val="bg1"/>
+                </a:solidFill>
+              </a:rPr>
+              <a:t>で起きてきた事象をクイズ形式で</a:t>
+            </a:r>
+            <a:r>
+              <a:rPr kumimoji="1" lang="ja-JP" altLang="en-US" dirty="0" smtClean="0">
+                <a:solidFill>
+                  <a:schemeClr val="bg1"/>
+                </a:solidFill>
+              </a:rPr>
+              <a:t>出題！</a:t>
+            </a:r>
+            <a:endParaRPr kumimoji="1" lang="en-US" altLang="ja-JP" dirty="0" smtClean="0">
+              <a:solidFill>
+                <a:schemeClr val="bg1"/>
+              </a:solidFill>
+            </a:endParaRPr>
+          </a:p>
+          <a:p>
+            <a:endParaRPr lang="en-US" altLang="ja-JP" dirty="0" smtClean="0">
+              <a:solidFill>
+                <a:schemeClr val="bg1">
+                  <a:lumMod val="50000"/>
+                </a:schemeClr>
+              </a:solidFill>
+            </a:endParaRPr>
+          </a:p>
+          <a:p>
+            <a:r>
+              <a:rPr lang="ja-JP" altLang="en-US" dirty="0" smtClean="0">
+                <a:solidFill>
+                  <a:schemeClr val="bg1">
+                    <a:lumMod val="50000"/>
+                  </a:schemeClr>
+                </a:solidFill>
+              </a:rPr>
+              <a:t>ブラウザ上</a:t>
+            </a:r>
+            <a:r>
+              <a:rPr lang="ja-JP" altLang="en-US" dirty="0" smtClean="0">
+                <a:solidFill>
+                  <a:schemeClr val="bg1">
+                    <a:lumMod val="50000"/>
+                  </a:schemeClr>
+                </a:solidFill>
+              </a:rPr>
+              <a:t>での</a:t>
+            </a:r>
+            <a:r>
+              <a:rPr lang="ja-JP" altLang="en-US" dirty="0" smtClean="0">
+                <a:solidFill>
+                  <a:schemeClr val="bg1">
+                    <a:lumMod val="50000"/>
+                  </a:schemeClr>
+                </a:solidFill>
+              </a:rPr>
+              <a:t>動作</a:t>
+            </a:r>
+            <a:r>
+              <a:rPr lang="ja-JP" altLang="en-US" dirty="0">
+                <a:solidFill>
+                  <a:schemeClr val="bg1">
+                    <a:lumMod val="50000"/>
+                  </a:schemeClr>
+                </a:solidFill>
+              </a:rPr>
+              <a:t>！</a:t>
+            </a:r>
+            <a:endParaRPr lang="en-US" altLang="ja-JP" dirty="0" smtClean="0">
+              <a:solidFill>
+                <a:schemeClr val="bg1">
+                  <a:lumMod val="50000"/>
+                </a:schemeClr>
+              </a:solidFill>
+            </a:endParaRPr>
+          </a:p>
+          <a:p>
+            <a:endParaRPr kumimoji="1" lang="en-US" altLang="ja-JP" dirty="0" smtClean="0">
+              <a:solidFill>
+                <a:schemeClr val="bg1">
+                  <a:lumMod val="50000"/>
+                </a:schemeClr>
+              </a:solidFill>
+            </a:endParaRPr>
+          </a:p>
+          <a:p>
+            <a:r>
+              <a:rPr kumimoji="1" lang="ja-JP" altLang="en-US" dirty="0" smtClean="0">
+                <a:solidFill>
+                  <a:schemeClr val="bg1">
+                    <a:lumMod val="50000"/>
+                  </a:schemeClr>
+                </a:solidFill>
+              </a:rPr>
+              <a:t>圧倒的問題量の多さ！</a:t>
+            </a:r>
+            <a:endParaRPr kumimoji="1" lang="en-US" altLang="ja-JP" dirty="0" smtClean="0">
+              <a:solidFill>
+                <a:schemeClr val="bg1">
+                  <a:lumMod val="50000"/>
+                </a:schemeClr>
+              </a:solidFill>
+            </a:endParaRPr>
+          </a:p>
+          <a:p>
+            <a:endParaRPr lang="en-US" altLang="ja-JP" dirty="0" smtClean="0">
+              <a:solidFill>
+                <a:schemeClr val="bg1">
+                  <a:lumMod val="50000"/>
+                </a:schemeClr>
+              </a:solidFill>
+            </a:endParaRPr>
+          </a:p>
+          <a:p>
+            <a:endParaRPr kumimoji="1" lang="ja-JP" altLang="en-US" dirty="0"/>
           </a:p>
         </p:txBody>
       </p:sp>
     </p:spTree>
     <p:extLst>
       <p:ext uri="{BB962C8B-B14F-4D97-AF65-F5344CB8AC3E}">
-        <p14:creationId xmlns:p14="http://schemas.microsoft.com/office/powerpoint/2010/main" val="2998239437"/>
+        <p14:creationId xmlns:p14="http://schemas.microsoft.com/office/powerpoint/2010/main" val="972394480"/>
       </p:ext>
     </p:extLst>
   </p:cSld>
   <p:clrMapOvr>
     <a:masterClrMapping/>
   </p:clrMapOvr>
+  <p:timing>
+    <p:tnLst>
+      <p:par>
+        <p:cTn id="1" dur="indefinite" restart="never" nodeType="tmRoot"/>
+      </p:par>
+    </p:tnLst>
+  </p:timing>
 </p:sld>
 </file>
 
@@ -11675,8 +12893,8 @@
           <a:lstStyle/>
           <a:p>
             <a:r>
-              <a:rPr kumimoji="1" lang="ja-JP" altLang="en-US" dirty="0" smtClean="0"/>
-              <a:t>現在の進捗</a:t>
+              <a:rPr lang="en-US" altLang="ja-JP" dirty="0" err="1"/>
+              <a:t>GAquiz</a:t>
             </a:r>
             <a:endParaRPr kumimoji="1" lang="ja-JP" altLang="en-US" dirty="0"/>
           </a:p>
@@ -11697,20 +12915,143 @@
           <a:bodyPr/>
           <a:lstStyle/>
           <a:p>
-            <a:endParaRPr kumimoji="1" lang="ja-JP" altLang="en-US"/>
+            <a:r>
+              <a:rPr kumimoji="1" lang="en-US" altLang="ja-JP" dirty="0" err="1" smtClean="0">
+                <a:solidFill>
+                  <a:schemeClr val="bg1"/>
+                </a:solidFill>
+              </a:rPr>
+              <a:t>GrowbalActive</a:t>
+            </a:r>
+            <a:r>
+              <a:rPr kumimoji="1" lang="ja-JP" altLang="en-US" dirty="0" smtClean="0">
+                <a:solidFill>
+                  <a:schemeClr val="bg1"/>
+                </a:solidFill>
+              </a:rPr>
+              <a:t>で起きてきた事象をクイズ形式で</a:t>
+            </a:r>
+            <a:r>
+              <a:rPr kumimoji="1" lang="ja-JP" altLang="en-US" dirty="0" smtClean="0">
+                <a:solidFill>
+                  <a:schemeClr val="bg1"/>
+                </a:solidFill>
+              </a:rPr>
+              <a:t>出題！</a:t>
+            </a:r>
+            <a:endParaRPr kumimoji="1" lang="en-US" altLang="ja-JP" dirty="0" smtClean="0">
+              <a:solidFill>
+                <a:schemeClr val="bg1"/>
+              </a:solidFill>
+            </a:endParaRPr>
+          </a:p>
+          <a:p>
+            <a:endParaRPr lang="en-US" altLang="ja-JP" dirty="0" smtClean="0">
+              <a:solidFill>
+                <a:schemeClr val="bg1">
+                  <a:lumMod val="50000"/>
+                </a:schemeClr>
+              </a:solidFill>
+            </a:endParaRPr>
+          </a:p>
+          <a:p>
+            <a:r>
+              <a:rPr lang="ja-JP" altLang="en-US" dirty="0" smtClean="0">
+                <a:solidFill>
+                  <a:schemeClr val="bg1"/>
+                </a:solidFill>
+              </a:rPr>
+              <a:t>ブラウザ上</a:t>
+            </a:r>
+            <a:r>
+              <a:rPr lang="ja-JP" altLang="en-US" dirty="0" smtClean="0">
+                <a:solidFill>
+                  <a:schemeClr val="bg1"/>
+                </a:solidFill>
+              </a:rPr>
+              <a:t>での</a:t>
+            </a:r>
+            <a:r>
+              <a:rPr lang="ja-JP" altLang="en-US" dirty="0" smtClean="0">
+                <a:solidFill>
+                  <a:schemeClr val="bg1"/>
+                </a:solidFill>
+              </a:rPr>
+              <a:t>動作</a:t>
+            </a:r>
+            <a:r>
+              <a:rPr lang="ja-JP" altLang="en-US" dirty="0">
+                <a:solidFill>
+                  <a:schemeClr val="bg1"/>
+                </a:solidFill>
+              </a:rPr>
+              <a:t>！</a:t>
+            </a:r>
+            <a:endParaRPr lang="en-US" altLang="ja-JP" dirty="0" smtClean="0">
+              <a:solidFill>
+                <a:schemeClr val="bg1"/>
+              </a:solidFill>
+            </a:endParaRPr>
+          </a:p>
+          <a:p>
+            <a:endParaRPr kumimoji="1" lang="en-US" altLang="ja-JP" dirty="0" smtClean="0">
+              <a:solidFill>
+                <a:schemeClr val="bg1">
+                  <a:lumMod val="50000"/>
+                </a:schemeClr>
+              </a:solidFill>
+            </a:endParaRPr>
+          </a:p>
+          <a:p>
+            <a:r>
+              <a:rPr kumimoji="1" lang="ja-JP" altLang="en-US" dirty="0" smtClean="0">
+                <a:solidFill>
+                  <a:schemeClr val="bg1">
+                    <a:lumMod val="50000"/>
+                  </a:schemeClr>
+                </a:solidFill>
+              </a:rPr>
+              <a:t>圧倒的問題量の多さ！</a:t>
+            </a:r>
+            <a:endParaRPr kumimoji="1" lang="en-US" altLang="ja-JP" dirty="0" smtClean="0">
+              <a:solidFill>
+                <a:schemeClr val="bg1">
+                  <a:lumMod val="50000"/>
+                </a:schemeClr>
+              </a:solidFill>
+            </a:endParaRPr>
+          </a:p>
+          <a:p>
+            <a:endParaRPr lang="en-US" altLang="ja-JP" dirty="0" smtClean="0">
+              <a:solidFill>
+                <a:schemeClr val="bg1">
+                  <a:lumMod val="50000"/>
+                </a:schemeClr>
+              </a:solidFill>
+            </a:endParaRPr>
+          </a:p>
+          <a:p>
+            <a:endParaRPr kumimoji="1" lang="ja-JP" altLang="en-US" dirty="0"/>
           </a:p>
         </p:txBody>
       </p:sp>
     </p:spTree>
     <p:extLst>
       <p:ext uri="{BB962C8B-B14F-4D97-AF65-F5344CB8AC3E}">
-        <p14:creationId xmlns:p14="http://schemas.microsoft.com/office/powerpoint/2010/main" val="370707960"/>
+        <p14:creationId xmlns:p14="http://schemas.microsoft.com/office/powerpoint/2010/main" val="3878035195"/>
       </p:ext>
     </p:extLst>
   </p:cSld>
   <p:clrMapOvr>
     <a:masterClrMapping/>
   </p:clrMapOvr>
+  <p:timing>
+    <p:tnLst>
+      <p:par>
+        <p:cTn id="1" dur="indefinite" restart="never" nodeType="tmRoot"/>
+      </p:par>
+    </p:tnLst>
+  </p:timing>
 </p:sld>
 </file>
 
@@ -11747,8 +13088,8 @@
           <a:lstStyle/>
           <a:p>
             <a:r>
-              <a:rPr kumimoji="1" lang="ja-JP" altLang="en-US" dirty="0" smtClean="0"/>
-              <a:t>今後</a:t>
+              <a:rPr lang="en-US" altLang="ja-JP" dirty="0" err="1"/>
+              <a:t>GAquiz</a:t>
             </a:r>
             <a:endParaRPr kumimoji="1" lang="ja-JP" altLang="en-US" dirty="0"/>
           </a:p>
@@ -11766,8 +13107,122 @@
         </p:nvSpPr>
         <p:spPr/>
         <p:txBody>
-          <a:bodyPr/>
-          <a:lstStyle/>
+          <a:bodyPr>
+            <a:normAutofit/>
+          </a:bodyPr>
+          <a:lstStyle/>
+          <a:p>
+            <a:r>
+              <a:rPr kumimoji="1" lang="en-US" altLang="ja-JP" dirty="0" err="1" smtClean="0">
+                <a:solidFill>
+                  <a:schemeClr val="bg1"/>
+                </a:solidFill>
+              </a:rPr>
+              <a:t>GrowbalActive</a:t>
+            </a:r>
+            <a:r>
+              <a:rPr kumimoji="1" lang="ja-JP" altLang="en-US" dirty="0" smtClean="0">
+                <a:solidFill>
+                  <a:schemeClr val="bg1"/>
+                </a:solidFill>
+              </a:rPr>
+              <a:t>で起きてきた事象をクイズ形式で</a:t>
+            </a:r>
+            <a:r>
+              <a:rPr kumimoji="1" lang="ja-JP" altLang="en-US" dirty="0" smtClean="0">
+                <a:solidFill>
+                  <a:schemeClr val="bg1"/>
+                </a:solidFill>
+              </a:rPr>
+              <a:t>出題！</a:t>
+            </a:r>
+            <a:endParaRPr kumimoji="1" lang="en-US" altLang="ja-JP" dirty="0" smtClean="0">
+              <a:solidFill>
+                <a:schemeClr val="bg1"/>
+              </a:solidFill>
+            </a:endParaRPr>
+          </a:p>
+          <a:p>
+            <a:endParaRPr lang="en-US" altLang="ja-JP" dirty="0" smtClean="0">
+              <a:solidFill>
+                <a:schemeClr val="bg1">
+                  <a:lumMod val="50000"/>
+                </a:schemeClr>
+              </a:solidFill>
+            </a:endParaRPr>
+          </a:p>
+          <a:p>
+            <a:r>
+              <a:rPr lang="ja-JP" altLang="en-US" dirty="0" smtClean="0">
+                <a:solidFill>
+                  <a:schemeClr val="bg1"/>
+                </a:solidFill>
+              </a:rPr>
+              <a:t>ブラウザ上</a:t>
+            </a:r>
+            <a:r>
+              <a:rPr lang="ja-JP" altLang="en-US" dirty="0" smtClean="0">
+                <a:solidFill>
+                  <a:schemeClr val="bg1"/>
+                </a:solidFill>
+              </a:rPr>
+              <a:t>での</a:t>
+            </a:r>
+            <a:r>
+              <a:rPr lang="ja-JP" altLang="en-US" dirty="0" smtClean="0">
+                <a:solidFill>
+                  <a:schemeClr val="bg1"/>
+                </a:solidFill>
+              </a:rPr>
+              <a:t>動作</a:t>
+            </a:r>
+            <a:r>
+              <a:rPr lang="ja-JP" altLang="en-US" dirty="0">
+                <a:solidFill>
+                  <a:schemeClr val="bg1"/>
+                </a:solidFill>
+              </a:rPr>
+              <a:t>！</a:t>
+            </a:r>
+            <a:endParaRPr lang="en-US" altLang="ja-JP" dirty="0" smtClean="0">
+              <a:solidFill>
+                <a:schemeClr val="bg1"/>
+              </a:solidFill>
+            </a:endParaRPr>
+          </a:p>
+          <a:p>
+            <a:endParaRPr kumimoji="1" lang="en-US" altLang="ja-JP" dirty="0" smtClean="0">
+              <a:solidFill>
+                <a:schemeClr val="bg1">
+                  <a:lumMod val="50000"/>
+                </a:schemeClr>
+              </a:solidFill>
+            </a:endParaRPr>
+          </a:p>
+          <a:p>
+            <a:r>
+              <a:rPr kumimoji="1" lang="ja-JP" altLang="en-US" dirty="0" smtClean="0">
+                <a:solidFill>
+                  <a:schemeClr val="bg1"/>
+                </a:solidFill>
+              </a:rPr>
+              <a:t>圧倒的問題量の多さ！</a:t>
+            </a:r>
+            <a:endParaRPr kumimoji="1" lang="en-US" altLang="ja-JP" dirty="0" smtClean="0">
+              <a:solidFill>
+                <a:schemeClr val="bg1"/>
+              </a:solidFill>
+            </a:endParaRPr>
+          </a:p>
+          <a:p>
+            <a:endParaRPr lang="en-US" altLang="ja-JP" dirty="0" smtClean="0">
+              <a:solidFill>
+                <a:schemeClr val="bg1">
+                  <a:lumMod val="50000"/>
+                </a:schemeClr>
+              </a:solidFill>
+            </a:endParaRPr>
+          </a:p>
           <a:p>
             <a:endParaRPr kumimoji="1" lang="ja-JP" altLang="en-US" dirty="0"/>
           </a:p>
@@ -11776,7 +13231,7 @@
     </p:spTree>
     <p:extLst>
       <p:ext uri="{BB962C8B-B14F-4D97-AF65-F5344CB8AC3E}">
-        <p14:creationId xmlns:p14="http://schemas.microsoft.com/office/powerpoint/2010/main" val="3781739903"/>
+        <p14:creationId xmlns:p14="http://schemas.microsoft.com/office/powerpoint/2010/main" val="652861073"/>
       </p:ext>
     </p:extLst>
   </p:cSld>

--- a/TeamBスライド.pptx
+++ b/TeamBスライド.pptx
@@ -10760,15 +10760,7 @@
                   <a:schemeClr val="bg1"/>
                 </a:solidFill>
               </a:rPr>
-              <a:t>で起きてきた事象をクイズ形式で</a:t>
-            </a:r>
-            <a:r>
-              <a:rPr kumimoji="1" lang="ja-JP" altLang="en-US" dirty="0" smtClean="0">
-                <a:solidFill>
-                  <a:schemeClr val="bg1"/>
-                </a:solidFill>
-              </a:rPr>
-              <a:t>出題！</a:t>
+              <a:t>で起きてきた事象をクイズ形式で出題！</a:t>
             </a:r>
             <a:endParaRPr kumimoji="1" lang="en-US" altLang="ja-JP" dirty="0" smtClean="0">
               <a:solidFill>
@@ -10792,23 +10784,7 @@
                   <a:schemeClr val="bg1"/>
                 </a:solidFill>
               </a:rPr>
-              <a:t>ブラウザ上</a:t>
-            </a:r>
-            <a:r>
-              <a:rPr lang="ja-JP" altLang="en-US" dirty="0" smtClean="0">
-                <a:solidFill>
-                  <a:schemeClr val="bg1"/>
-                </a:solidFill>
-              </a:rPr>
-              <a:t>での</a:t>
-            </a:r>
-            <a:r>
-              <a:rPr lang="ja-JP" altLang="en-US" dirty="0" smtClean="0">
-                <a:solidFill>
-                  <a:schemeClr val="bg1"/>
-                </a:solidFill>
-              </a:rPr>
-              <a:t>動作</a:t>
+              <a:t>ブラウザ上での動作</a:t>
             </a:r>
             <a:r>
               <a:rPr lang="ja-JP" altLang="en-US" dirty="0">
@@ -10883,7 +10859,15 @@
                   <a:schemeClr val="bg1"/>
                 </a:solidFill>
               </a:rPr>
-              <a:t>のメンバーです！</a:t>
+              <a:t>のメンバーです</a:t>
+            </a:r>
+            <a:r>
+              <a:rPr lang="ja-JP" altLang="en-US" sz="3600" b="1" dirty="0" smtClean="0">
+                <a:solidFill>
+                  <a:schemeClr val="bg1"/>
+                </a:solidFill>
+              </a:rPr>
+              <a:t>！</a:t>
             </a:r>
             <a:endParaRPr kumimoji="1" lang="en-US" altLang="ja-JP" sz="3600" b="1" dirty="0" smtClean="0">
               <a:solidFill>
@@ -11542,16 +11526,28 @@
           <a:p>
             <a:pPr lvl="1"/>
             <a:r>
+              <a:rPr lang="ja-JP" altLang="en-US" smtClean="0"/>
+              <a:t>もう</a:t>
+            </a:r>
+            <a:r>
+              <a:rPr lang="ja-JP" altLang="en-US"/>
+              <a:t>一人</a:t>
+            </a:r>
+            <a:r>
+              <a:rPr lang="ja-JP" altLang="en-US" smtClean="0"/>
+              <a:t>の</a:t>
+            </a:r>
+            <a:r>
+              <a:rPr lang="ja-JP" altLang="en-US"/>
+              <a:t>僕</a:t>
+            </a:r>
+            <a:r>
+              <a:rPr lang="ja-JP" altLang="en-US" smtClean="0"/>
+              <a:t>が</a:t>
+            </a:r>
+            <a:r>
               <a:rPr lang="ja-JP" altLang="en-US" dirty="0" smtClean="0"/>
-              <a:t>リューペチ</a:t>
-            </a:r>
-            <a:r>
-              <a:rPr lang="en-US" altLang="ja-JP" dirty="0" smtClean="0"/>
-              <a:t>BOT</a:t>
-            </a:r>
-            <a:r>
-              <a:rPr lang="ja-JP" altLang="en-US" dirty="0" smtClean="0"/>
-              <a:t>が問題データを吐きます</a:t>
+              <a:t>問題データを吐きます</a:t>
             </a:r>
             <a:endParaRPr lang="en-US" altLang="ja-JP" dirty="0"/>
           </a:p>
@@ -11726,11 +11722,7 @@
             </a:r>
             <a:r>
               <a:rPr lang="ja-JP" altLang="en-US" dirty="0" smtClean="0"/>
-              <a:t>上です</a:t>
-            </a:r>
-            <a:r>
-              <a:rPr lang="ja-JP" altLang="en-US" dirty="0" smtClean="0"/>
-              <a:t>が</a:t>
+              <a:t>上ですが</a:t>
             </a:r>
             <a:r>
               <a:rPr lang="ja-JP" altLang="en-US" dirty="0"/>
@@ -11738,11 +11730,7 @@
             </a:r>
             <a:r>
               <a:rPr lang="ja-JP" altLang="en-US" dirty="0" smtClean="0"/>
-              <a:t>敢えて</a:t>
-            </a:r>
-            <a:r>
-              <a:rPr lang="ja-JP" altLang="en-US" dirty="0" smtClean="0"/>
-              <a:t>お願い申し上げます。</a:t>
+              <a:t>敢えてお願い申し上げます。</a:t>
             </a:r>
             <a:endParaRPr lang="en-US" altLang="ja-JP" dirty="0" smtClean="0"/>
           </a:p>
@@ -11758,11 +11746,7 @@
             </a:pPr>
             <a:r>
               <a:rPr lang="ja-JP" altLang="en-US" b="1" dirty="0" smtClean="0"/>
-              <a:t>皆様</a:t>
-            </a:r>
-            <a:r>
-              <a:rPr lang="ja-JP" altLang="en-US" b="1" dirty="0" smtClean="0"/>
-              <a:t>のご理解ご協力をお願い致します。</a:t>
+              <a:t>皆様のご理解ご協力をお願い致します。</a:t>
             </a:r>
             <a:endParaRPr lang="en-US" altLang="ja-JP" b="1" dirty="0" smtClean="0"/>
           </a:p>
@@ -12515,17 +12499,7 @@
                   </a:schemeClr>
                 </a:solidFill>
               </a:rPr>
-              <a:t>で起きてきた事象をクイズ形式で</a:t>
-            </a:r>
-            <a:r>
-              <a:rPr kumimoji="1" lang="ja-JP" altLang="en-US" dirty="0" smtClean="0">
-                <a:solidFill>
-                  <a:schemeClr val="bg1">
-                    <a:lumMod val="50000"/>
-                  </a:schemeClr>
-                </a:solidFill>
-              </a:rPr>
-              <a:t>出題！</a:t>
+              <a:t>で起きてきた事象をクイズ形式で出題！</a:t>
             </a:r>
             <a:endParaRPr kumimoji="1" lang="en-US" altLang="ja-JP" dirty="0" smtClean="0">
               <a:solidFill>
@@ -12553,27 +12527,7 @@
                   </a:schemeClr>
                 </a:solidFill>
               </a:rPr>
-              <a:t>ブラウザ上</a:t>
-            </a:r>
-            <a:r>
-              <a:rPr lang="ja-JP" altLang="en-US" dirty="0" smtClean="0">
-                <a:solidFill>
-                  <a:schemeClr val="bg1">
-                    <a:lumMod val="50000"/>
-                  </a:schemeClr>
-                </a:solidFill>
-              </a:rPr>
-              <a:t>での</a:t>
-            </a:r>
-            <a:r>
-              <a:rPr lang="ja-JP" altLang="en-US" dirty="0" smtClean="0">
-                <a:solidFill>
-                  <a:schemeClr val="bg1">
-                    <a:lumMod val="50000"/>
-                  </a:schemeClr>
-                </a:solidFill>
-              </a:rPr>
-              <a:t>動作</a:t>
+              <a:t>ブラウザ上での動作</a:t>
             </a:r>
             <a:r>
               <a:rPr lang="ja-JP" altLang="en-US" dirty="0">
@@ -12724,15 +12678,7 @@
                   <a:schemeClr val="bg1"/>
                 </a:solidFill>
               </a:rPr>
-              <a:t>で起きてきた事象をクイズ形式で</a:t>
-            </a:r>
-            <a:r>
-              <a:rPr kumimoji="1" lang="ja-JP" altLang="en-US" dirty="0" smtClean="0">
-                <a:solidFill>
-                  <a:schemeClr val="bg1"/>
-                </a:solidFill>
-              </a:rPr>
-              <a:t>出題！</a:t>
+              <a:t>で起きてきた事象をクイズ形式で出題！</a:t>
             </a:r>
             <a:endParaRPr kumimoji="1" lang="en-US" altLang="ja-JP" dirty="0" smtClean="0">
               <a:solidFill>
@@ -12758,27 +12704,7 @@
                   </a:schemeClr>
                 </a:solidFill>
               </a:rPr>
-              <a:t>ブラウザ上</a:t>
-            </a:r>
-            <a:r>
-              <a:rPr lang="ja-JP" altLang="en-US" dirty="0" smtClean="0">
-                <a:solidFill>
-                  <a:schemeClr val="bg1">
-                    <a:lumMod val="50000"/>
-                  </a:schemeClr>
-                </a:solidFill>
-              </a:rPr>
-              <a:t>での</a:t>
-            </a:r>
-            <a:r>
-              <a:rPr lang="ja-JP" altLang="en-US" dirty="0" smtClean="0">
-                <a:solidFill>
-                  <a:schemeClr val="bg1">
-                    <a:lumMod val="50000"/>
-                  </a:schemeClr>
-                </a:solidFill>
-              </a:rPr>
-              <a:t>動作</a:t>
+              <a:t>ブラウザ上での動作</a:t>
             </a:r>
             <a:r>
               <a:rPr lang="ja-JP" altLang="en-US" dirty="0">
@@ -12929,15 +12855,7 @@
                   <a:schemeClr val="bg1"/>
                 </a:solidFill>
               </a:rPr>
-              <a:t>で起きてきた事象をクイズ形式で</a:t>
-            </a:r>
-            <a:r>
-              <a:rPr kumimoji="1" lang="ja-JP" altLang="en-US" dirty="0" smtClean="0">
-                <a:solidFill>
-                  <a:schemeClr val="bg1"/>
-                </a:solidFill>
-              </a:rPr>
-              <a:t>出題！</a:t>
+              <a:t>で起きてきた事象をクイズ形式で出題！</a:t>
             </a:r>
             <a:endParaRPr kumimoji="1" lang="en-US" altLang="ja-JP" dirty="0" smtClean="0">
               <a:solidFill>
@@ -12961,23 +12879,7 @@
                   <a:schemeClr val="bg1"/>
                 </a:solidFill>
               </a:rPr>
-              <a:t>ブラウザ上</a:t>
-            </a:r>
-            <a:r>
-              <a:rPr lang="ja-JP" altLang="en-US" dirty="0" smtClean="0">
-                <a:solidFill>
-                  <a:schemeClr val="bg1"/>
-                </a:solidFill>
-              </a:rPr>
-              <a:t>での</a:t>
-            </a:r>
-            <a:r>
-              <a:rPr lang="ja-JP" altLang="en-US" dirty="0" smtClean="0">
-                <a:solidFill>
-                  <a:schemeClr val="bg1"/>
-                </a:solidFill>
-              </a:rPr>
-              <a:t>動作</a:t>
+              <a:t>ブラウザ上での動作</a:t>
             </a:r>
             <a:r>
               <a:rPr lang="ja-JP" altLang="en-US" dirty="0">
@@ -13126,15 +13028,7 @@
                   <a:schemeClr val="bg1"/>
                 </a:solidFill>
               </a:rPr>
-              <a:t>で起きてきた事象をクイズ形式で</a:t>
-            </a:r>
-            <a:r>
-              <a:rPr kumimoji="1" lang="ja-JP" altLang="en-US" dirty="0" smtClean="0">
-                <a:solidFill>
-                  <a:schemeClr val="bg1"/>
-                </a:solidFill>
-              </a:rPr>
-              <a:t>出題！</a:t>
+              <a:t>で起きてきた事象をクイズ形式で出題！</a:t>
             </a:r>
             <a:endParaRPr kumimoji="1" lang="en-US" altLang="ja-JP" dirty="0" smtClean="0">
               <a:solidFill>
@@ -13158,23 +13052,7 @@
                   <a:schemeClr val="bg1"/>
                 </a:solidFill>
               </a:rPr>
-              <a:t>ブラウザ上</a:t>
-            </a:r>
-            <a:r>
-              <a:rPr lang="ja-JP" altLang="en-US" dirty="0" smtClean="0">
-                <a:solidFill>
-                  <a:schemeClr val="bg1"/>
-                </a:solidFill>
-              </a:rPr>
-              <a:t>での</a:t>
-            </a:r>
-            <a:r>
-              <a:rPr lang="ja-JP" altLang="en-US" dirty="0" smtClean="0">
-                <a:solidFill>
-                  <a:schemeClr val="bg1"/>
-                </a:solidFill>
-              </a:rPr>
-              <a:t>動作</a:t>
+              <a:t>ブラウザ上での動作</a:t>
             </a:r>
             <a:r>
               <a:rPr lang="ja-JP" altLang="en-US" dirty="0">
